--- a/2024年/周报20240524.pptx
+++ b/2024年/周报20240524.pptx
@@ -5,21 +5,23 @@
     <p:sldMasterId id="2147483648" r:id="rId1"/>
   </p:sldMasterIdLst>
   <p:notesMasterIdLst>
-    <p:notesMasterId r:id="rId9"/>
+    <p:notesMasterId r:id="rId11"/>
   </p:notesMasterIdLst>
   <p:sldIdLst>
     <p:sldId id="256" r:id="rId2"/>
     <p:sldId id="303" r:id="rId3"/>
-    <p:sldId id="310" r:id="rId4"/>
-    <p:sldId id="311" r:id="rId5"/>
-    <p:sldId id="307" r:id="rId6"/>
-    <p:sldId id="309" r:id="rId7"/>
-    <p:sldId id="308" r:id="rId8"/>
+    <p:sldId id="313" r:id="rId4"/>
+    <p:sldId id="312" r:id="rId5"/>
+    <p:sldId id="310" r:id="rId6"/>
+    <p:sldId id="311" r:id="rId7"/>
+    <p:sldId id="307" r:id="rId8"/>
+    <p:sldId id="309" r:id="rId9"/>
+    <p:sldId id="308" r:id="rId10"/>
   </p:sldIdLst>
   <p:sldSz cx="21674138" cy="12192000"/>
   <p:notesSz cx="6858000" cy="9144000"/>
   <p:custDataLst>
-    <p:tags r:id="rId10"/>
+    <p:tags r:id="rId12"/>
   </p:custDataLst>
   <p:defaultTextStyle>
     <a:defPPr>
@@ -206,7 +208,7 @@
           <a:p>
             <a:fld id="{92A886A3-F3BF-43BF-98DA-550FC405FF30}" type="datetimeFigureOut">
               <a:rPr lang="zh-CN" altLang="en-US" smtClean="0"/>
-              <a:t>2024/5/23</a:t>
+              <a:t>2024/5/24</a:t>
             </a:fld>
             <a:endParaRPr lang="zh-CN" altLang="en-US"/>
           </a:p>
@@ -621,7 +623,7 @@
     </p:spTree>
     <p:extLst>
       <p:ext uri="{BB962C8B-B14F-4D97-AF65-F5344CB8AC3E}">
-        <p14:creationId xmlns:p14="http://schemas.microsoft.com/office/powerpoint/2010/main" val="1182348998"/>
+        <p14:creationId xmlns:p14="http://schemas.microsoft.com/office/powerpoint/2010/main" val="358711482"/>
       </p:ext>
     </p:extLst>
   </p:cSld>
@@ -705,7 +707,7 @@
     </p:spTree>
     <p:extLst>
       <p:ext uri="{BB962C8B-B14F-4D97-AF65-F5344CB8AC3E}">
-        <p14:creationId xmlns:p14="http://schemas.microsoft.com/office/powerpoint/2010/main" val="1385268571"/>
+        <p14:creationId xmlns:p14="http://schemas.microsoft.com/office/powerpoint/2010/main" val="3162127947"/>
       </p:ext>
     </p:extLst>
   </p:cSld>
@@ -787,6 +789,11 @@
         </p:txBody>
       </p:sp>
     </p:spTree>
+    <p:extLst>
+      <p:ext uri="{BB962C8B-B14F-4D97-AF65-F5344CB8AC3E}">
+        <p14:creationId xmlns:p14="http://schemas.microsoft.com/office/powerpoint/2010/main" val="1182348998"/>
+      </p:ext>
+    </p:extLst>
   </p:cSld>
   <p:clrMapOvr>
     <a:masterClrMapping/>
@@ -866,6 +873,11 @@
         </p:txBody>
       </p:sp>
     </p:spTree>
+    <p:extLst>
+      <p:ext uri="{BB962C8B-B14F-4D97-AF65-F5344CB8AC3E}">
+        <p14:creationId xmlns:p14="http://schemas.microsoft.com/office/powerpoint/2010/main" val="1385268571"/>
+      </p:ext>
+    </p:extLst>
   </p:cSld>
   <p:clrMapOvr>
     <a:masterClrMapping/>
@@ -939,6 +951,164 @@
             <a:fld id="{20243972-8437-4FFD-A994-054600F4BB13}" type="slidenum">
               <a:rPr lang="zh-CN" altLang="en-US" smtClean="0"/>
               <a:t>7</a:t>
+            </a:fld>
+            <a:endParaRPr lang="zh-CN" altLang="en-US"/>
+          </a:p>
+        </p:txBody>
+      </p:sp>
+    </p:spTree>
+  </p:cSld>
+  <p:clrMapOvr>
+    <a:masterClrMapping/>
+  </p:clrMapOvr>
+</p:notes>
+</file>
+
+<file path=ppt/notesSlides/notesSlide7.xml><?xml version="1.0" encoding="utf-8"?>
+<p:notes xmlns:a="http://schemas.openxmlformats.org/drawingml/2006/main" xmlns:r="http://schemas.openxmlformats.org/officeDocument/2006/relationships" xmlns:p="http://schemas.openxmlformats.org/presentationml/2006/main">
+  <p:cSld>
+    <p:spTree>
+      <p:nvGrpSpPr>
+        <p:cNvPr id="1" name=""/>
+        <p:cNvGrpSpPr/>
+        <p:nvPr/>
+      </p:nvGrpSpPr>
+      <p:grpSpPr>
+        <a:xfrm>
+          <a:off x="0" y="0"/>
+          <a:ext cx="0" cy="0"/>
+          <a:chOff x="0" y="0"/>
+          <a:chExt cx="0" cy="0"/>
+        </a:xfrm>
+      </p:grpSpPr>
+      <p:sp>
+        <p:nvSpPr>
+          <p:cNvPr id="2" name="幻灯片图像占位符 1"/>
+          <p:cNvSpPr>
+            <a:spLocks noGrp="1" noRot="1" noChangeAspect="1"/>
+          </p:cNvSpPr>
+          <p:nvPr>
+            <p:ph type="sldImg"/>
+          </p:nvPr>
+        </p:nvSpPr>
+        <p:spPr/>
+      </p:sp>
+      <p:sp>
+        <p:nvSpPr>
+          <p:cNvPr id="3" name="备注占位符 2"/>
+          <p:cNvSpPr>
+            <a:spLocks noGrp="1"/>
+          </p:cNvSpPr>
+          <p:nvPr>
+            <p:ph type="body" idx="1"/>
+          </p:nvPr>
+        </p:nvSpPr>
+        <p:spPr/>
+        <p:txBody>
+          <a:bodyPr/>
+          <a:lstStyle/>
+          <a:p>
+            <a:endParaRPr lang="zh-CN" altLang="en-US" dirty="0"/>
+          </a:p>
+        </p:txBody>
+      </p:sp>
+      <p:sp>
+        <p:nvSpPr>
+          <p:cNvPr id="4" name="灯片编号占位符 3"/>
+          <p:cNvSpPr>
+            <a:spLocks noGrp="1"/>
+          </p:cNvSpPr>
+          <p:nvPr>
+            <p:ph type="sldNum" sz="quarter" idx="5"/>
+          </p:nvPr>
+        </p:nvSpPr>
+        <p:spPr/>
+        <p:txBody>
+          <a:bodyPr/>
+          <a:lstStyle/>
+          <a:p>
+            <a:fld id="{20243972-8437-4FFD-A994-054600F4BB13}" type="slidenum">
+              <a:rPr lang="zh-CN" altLang="en-US" smtClean="0"/>
+              <a:t>8</a:t>
+            </a:fld>
+            <a:endParaRPr lang="zh-CN" altLang="en-US"/>
+          </a:p>
+        </p:txBody>
+      </p:sp>
+    </p:spTree>
+  </p:cSld>
+  <p:clrMapOvr>
+    <a:masterClrMapping/>
+  </p:clrMapOvr>
+</p:notes>
+</file>
+
+<file path=ppt/notesSlides/notesSlide8.xml><?xml version="1.0" encoding="utf-8"?>
+<p:notes xmlns:a="http://schemas.openxmlformats.org/drawingml/2006/main" xmlns:r="http://schemas.openxmlformats.org/officeDocument/2006/relationships" xmlns:p="http://schemas.openxmlformats.org/presentationml/2006/main">
+  <p:cSld>
+    <p:spTree>
+      <p:nvGrpSpPr>
+        <p:cNvPr id="1" name=""/>
+        <p:cNvGrpSpPr/>
+        <p:nvPr/>
+      </p:nvGrpSpPr>
+      <p:grpSpPr>
+        <a:xfrm>
+          <a:off x="0" y="0"/>
+          <a:ext cx="0" cy="0"/>
+          <a:chOff x="0" y="0"/>
+          <a:chExt cx="0" cy="0"/>
+        </a:xfrm>
+      </p:grpSpPr>
+      <p:sp>
+        <p:nvSpPr>
+          <p:cNvPr id="2" name="幻灯片图像占位符 1"/>
+          <p:cNvSpPr>
+            <a:spLocks noGrp="1" noRot="1" noChangeAspect="1"/>
+          </p:cNvSpPr>
+          <p:nvPr>
+            <p:ph type="sldImg"/>
+          </p:nvPr>
+        </p:nvSpPr>
+        <p:spPr/>
+      </p:sp>
+      <p:sp>
+        <p:nvSpPr>
+          <p:cNvPr id="3" name="备注占位符 2"/>
+          <p:cNvSpPr>
+            <a:spLocks noGrp="1"/>
+          </p:cNvSpPr>
+          <p:nvPr>
+            <p:ph type="body" idx="1"/>
+          </p:nvPr>
+        </p:nvSpPr>
+        <p:spPr/>
+        <p:txBody>
+          <a:bodyPr/>
+          <a:lstStyle/>
+          <a:p>
+            <a:endParaRPr lang="zh-CN" altLang="en-US" dirty="0"/>
+          </a:p>
+        </p:txBody>
+      </p:sp>
+      <p:sp>
+        <p:nvSpPr>
+          <p:cNvPr id="4" name="灯片编号占位符 3"/>
+          <p:cNvSpPr>
+            <a:spLocks noGrp="1"/>
+          </p:cNvSpPr>
+          <p:nvPr>
+            <p:ph type="sldNum" sz="quarter" idx="5"/>
+          </p:nvPr>
+        </p:nvSpPr>
+        <p:spPr/>
+        <p:txBody>
+          <a:bodyPr/>
+          <a:lstStyle/>
+          <a:p>
+            <a:fld id="{20243972-8437-4FFD-A994-054600F4BB13}" type="slidenum">
+              <a:rPr lang="zh-CN" altLang="en-US" smtClean="0"/>
+              <a:t>9</a:t>
             </a:fld>
             <a:endParaRPr lang="zh-CN" altLang="en-US"/>
           </a:p>
@@ -1081,7 +1251,7 @@
           <a:p>
             <a:fld id="{A94AD69E-FE2F-4EDF-9961-DCA2A010D4E8}" type="datetimeFigureOut">
               <a:rPr lang="zh-CN" altLang="en-US" smtClean="0"/>
-              <a:t>2024/5/23</a:t>
+              <a:t>2024/5/24</a:t>
             </a:fld>
             <a:endParaRPr lang="zh-CN" altLang="en-US"/>
           </a:p>
@@ -1244,7 +1414,7 @@
           <a:p>
             <a:fld id="{A94AD69E-FE2F-4EDF-9961-DCA2A010D4E8}" type="datetimeFigureOut">
               <a:rPr lang="zh-CN" altLang="en-US" smtClean="0"/>
-              <a:t>2024/5/23</a:t>
+              <a:t>2024/5/24</a:t>
             </a:fld>
             <a:endParaRPr lang="zh-CN" altLang="en-US"/>
           </a:p>
@@ -1417,7 +1587,7 @@
           <a:p>
             <a:fld id="{A94AD69E-FE2F-4EDF-9961-DCA2A010D4E8}" type="datetimeFigureOut">
               <a:rPr lang="zh-CN" altLang="en-US" smtClean="0"/>
-              <a:t>2024/5/23</a:t>
+              <a:t>2024/5/24</a:t>
             </a:fld>
             <a:endParaRPr lang="zh-CN" altLang="en-US"/>
           </a:p>
@@ -1580,7 +1750,7 @@
           <a:p>
             <a:fld id="{A94AD69E-FE2F-4EDF-9961-DCA2A010D4E8}" type="datetimeFigureOut">
               <a:rPr lang="zh-CN" altLang="en-US" smtClean="0"/>
-              <a:t>2024/5/23</a:t>
+              <a:t>2024/5/24</a:t>
             </a:fld>
             <a:endParaRPr lang="zh-CN" altLang="en-US"/>
           </a:p>
@@ -1820,7 +1990,7 @@
           <a:p>
             <a:fld id="{A94AD69E-FE2F-4EDF-9961-DCA2A010D4E8}" type="datetimeFigureOut">
               <a:rPr lang="zh-CN" altLang="en-US" smtClean="0"/>
-              <a:t>2024/5/23</a:t>
+              <a:t>2024/5/24</a:t>
             </a:fld>
             <a:endParaRPr lang="zh-CN" altLang="en-US"/>
           </a:p>
@@ -2044,7 +2214,7 @@
           <a:p>
             <a:fld id="{A94AD69E-FE2F-4EDF-9961-DCA2A010D4E8}" type="datetimeFigureOut">
               <a:rPr lang="zh-CN" altLang="en-US" smtClean="0"/>
-              <a:t>2024/5/23</a:t>
+              <a:t>2024/5/24</a:t>
             </a:fld>
             <a:endParaRPr lang="zh-CN" altLang="en-US"/>
           </a:p>
@@ -2403,7 +2573,7 @@
           <a:p>
             <a:fld id="{A94AD69E-FE2F-4EDF-9961-DCA2A010D4E8}" type="datetimeFigureOut">
               <a:rPr lang="zh-CN" altLang="en-US" smtClean="0"/>
-              <a:t>2024/5/23</a:t>
+              <a:t>2024/5/24</a:t>
             </a:fld>
             <a:endParaRPr lang="zh-CN" altLang="en-US"/>
           </a:p>
@@ -2515,7 +2685,7 @@
           <a:p>
             <a:fld id="{A94AD69E-FE2F-4EDF-9961-DCA2A010D4E8}" type="datetimeFigureOut">
               <a:rPr lang="zh-CN" altLang="en-US" smtClean="0"/>
-              <a:t>2024/5/23</a:t>
+              <a:t>2024/5/24</a:t>
             </a:fld>
             <a:endParaRPr lang="zh-CN" altLang="en-US"/>
           </a:p>
@@ -2605,7 +2775,7 @@
           <a:p>
             <a:fld id="{A94AD69E-FE2F-4EDF-9961-DCA2A010D4E8}" type="datetimeFigureOut">
               <a:rPr lang="zh-CN" altLang="en-US" smtClean="0"/>
-              <a:t>2024/5/23</a:t>
+              <a:t>2024/5/24</a:t>
             </a:fld>
             <a:endParaRPr lang="zh-CN" altLang="en-US"/>
           </a:p>
@@ -2875,7 +3045,7 @@
           <a:p>
             <a:fld id="{A94AD69E-FE2F-4EDF-9961-DCA2A010D4E8}" type="datetimeFigureOut">
               <a:rPr lang="zh-CN" altLang="en-US" smtClean="0"/>
-              <a:t>2024/5/23</a:t>
+              <a:t>2024/5/24</a:t>
             </a:fld>
             <a:endParaRPr lang="zh-CN" altLang="en-US"/>
           </a:p>
@@ -3122,7 +3292,7 @@
           <a:p>
             <a:fld id="{A94AD69E-FE2F-4EDF-9961-DCA2A010D4E8}" type="datetimeFigureOut">
               <a:rPr lang="zh-CN" altLang="en-US" smtClean="0"/>
-              <a:t>2024/5/23</a:t>
+              <a:t>2024/5/24</a:t>
             </a:fld>
             <a:endParaRPr lang="zh-CN" altLang="en-US"/>
           </a:p>
@@ -3328,7 +3498,7 @@
           <a:p>
             <a:fld id="{A94AD69E-FE2F-4EDF-9961-DCA2A010D4E8}" type="datetimeFigureOut">
               <a:rPr lang="zh-CN" altLang="en-US" smtClean="0"/>
-              <a:t>2024/5/23</a:t>
+              <a:t>2024/5/24</a:t>
             </a:fld>
             <a:endParaRPr lang="zh-CN" altLang="en-US"/>
           </a:p>
@@ -3780,397 +3950,536 @@
           </a:p>
         </p:txBody>
       </p:sp>
-      <p:grpSp>
-        <p:nvGrpSpPr>
-          <p:cNvPr id="5" name="组合 4">
+      <p:sp>
+        <p:nvSpPr>
+          <p:cNvPr id="9" name="矩形 8"/>
+          <p:cNvSpPr/>
+          <p:nvPr/>
+        </p:nvSpPr>
+        <p:spPr>
+          <a:xfrm>
+            <a:off x="4682237" y="5260153"/>
+            <a:ext cx="13248425" cy="814582"/>
+          </a:xfrm>
+          <a:prstGeom prst="rect">
+            <a:avLst/>
+          </a:prstGeom>
+        </p:spPr>
+        <p:txBody>
+          <a:bodyPr wrap="square">
+            <a:spAutoFit/>
+          </a:bodyPr>
+          <a:lstStyle/>
+          <a:p>
+            <a:pPr marL="508000" indent="-508000" defTabSz="1625600">
+              <a:lnSpc>
+                <a:spcPct val="130000"/>
+              </a:lnSpc>
+              <a:spcAft>
+                <a:spcPts val="1065"/>
+              </a:spcAft>
+              <a:buFont typeface="Wingdings" panose="05000000000000000000" pitchFamily="2" charset="2"/>
+              <a:buChar char="Ø"/>
+            </a:pPr>
+            <a:r>
+              <a:rPr lang="en-US" altLang="zh-CN" sz="4000" b="1" dirty="0">
+                <a:solidFill>
+                  <a:srgbClr val="002060"/>
+                </a:solidFill>
+                <a:latin typeface="微软雅黑" panose="020B0503020204020204" pitchFamily="34" charset="-122"/>
+                <a:ea typeface="微软雅黑" panose="020B0503020204020204" pitchFamily="34" charset="-122"/>
+                <a:sym typeface="+mn-ea"/>
+              </a:rPr>
+              <a:t>3.</a:t>
+            </a:r>
+            <a:r>
+              <a:rPr lang="zh-CN" altLang="en-US" sz="4000" b="1" dirty="0">
+                <a:solidFill>
+                  <a:srgbClr val="002060"/>
+                </a:solidFill>
+                <a:latin typeface="微软雅黑" panose="020B0503020204020204" pitchFamily="34" charset="-122"/>
+                <a:ea typeface="微软雅黑" panose="020B0503020204020204" pitchFamily="34" charset="-122"/>
+                <a:sym typeface="+mn-ea"/>
+              </a:rPr>
+              <a:t>会议筹备</a:t>
+            </a:r>
+            <a:r>
+              <a:rPr lang="en-US" altLang="zh-CN" sz="4000" b="1" dirty="0">
+                <a:solidFill>
+                  <a:srgbClr val="002060"/>
+                </a:solidFill>
+                <a:latin typeface="微软雅黑" panose="020B0503020204020204" pitchFamily="34" charset="-122"/>
+                <a:ea typeface="微软雅黑" panose="020B0503020204020204" pitchFamily="34" charset="-122"/>
+                <a:sym typeface="+mn-ea"/>
+              </a:rPr>
+              <a:t>——</a:t>
+            </a:r>
+            <a:r>
+              <a:rPr lang="zh-CN" altLang="en-US" sz="4000" b="1" dirty="0">
+                <a:solidFill>
+                  <a:srgbClr val="002060"/>
+                </a:solidFill>
+                <a:latin typeface="微软雅黑" panose="020B0503020204020204" pitchFamily="34" charset="-122"/>
+                <a:ea typeface="微软雅黑" panose="020B0503020204020204" pitchFamily="34" charset="-122"/>
+                <a:sym typeface="+mn-ea"/>
+              </a:rPr>
+              <a:t>参与</a:t>
+            </a:r>
+            <a:r>
+              <a:rPr lang="en-US" altLang="zh-CN" sz="4000" b="1" dirty="0">
+                <a:solidFill>
+                  <a:srgbClr val="002060"/>
+                </a:solidFill>
+                <a:latin typeface="微软雅黑" panose="020B0503020204020204" pitchFamily="34" charset="-122"/>
+                <a:ea typeface="微软雅黑" panose="020B0503020204020204" pitchFamily="34" charset="-122"/>
+                <a:sym typeface="+mn-ea"/>
+              </a:rPr>
+              <a:t>30</a:t>
+            </a:r>
+            <a:r>
+              <a:rPr lang="zh-CN" altLang="en-US" sz="4000" b="1" dirty="0">
+                <a:solidFill>
+                  <a:srgbClr val="002060"/>
+                </a:solidFill>
+                <a:latin typeface="微软雅黑" panose="020B0503020204020204" pitchFamily="34" charset="-122"/>
+                <a:ea typeface="微软雅黑" panose="020B0503020204020204" pitchFamily="34" charset="-122"/>
+                <a:sym typeface="+mn-ea"/>
+              </a:rPr>
+              <a:t>周年、青年论坛筹备工作</a:t>
+            </a:r>
+          </a:p>
+        </p:txBody>
+      </p:sp>
+      <p:sp>
+        <p:nvSpPr>
+          <p:cNvPr id="7" name="矩形 6"/>
+          <p:cNvSpPr/>
+          <p:nvPr/>
+        </p:nvSpPr>
+        <p:spPr>
+          <a:xfrm>
+            <a:off x="4682235" y="6600183"/>
+            <a:ext cx="13034829" cy="814705"/>
+          </a:xfrm>
+          <a:prstGeom prst="rect">
+            <a:avLst/>
+          </a:prstGeom>
+        </p:spPr>
+        <p:txBody>
+          <a:bodyPr wrap="square">
+            <a:spAutoFit/>
+          </a:bodyPr>
+          <a:lstStyle/>
+          <a:p>
+            <a:pPr marL="508000" indent="-508000" defTabSz="1625600">
+              <a:lnSpc>
+                <a:spcPct val="130000"/>
+              </a:lnSpc>
+              <a:spcAft>
+                <a:spcPts val="1065"/>
+              </a:spcAft>
+              <a:buFont typeface="Wingdings" panose="05000000000000000000" pitchFamily="2" charset="2"/>
+              <a:buChar char="Ø"/>
+            </a:pPr>
+            <a:r>
+              <a:rPr lang="en-US" altLang="zh-CN" sz="4000" b="1" dirty="0">
+                <a:solidFill>
+                  <a:srgbClr val="002060"/>
+                </a:solidFill>
+                <a:latin typeface="微软雅黑" panose="020B0503020204020204" pitchFamily="34" charset="-122"/>
+                <a:ea typeface="微软雅黑" panose="020B0503020204020204" pitchFamily="34" charset="-122"/>
+                <a:sym typeface="+mn-ea"/>
+              </a:rPr>
+              <a:t>4.</a:t>
+            </a:r>
+            <a:r>
+              <a:rPr lang="zh-CN" altLang="en-US" sz="4000" b="1" dirty="0">
+                <a:solidFill>
+                  <a:srgbClr val="002060"/>
+                </a:solidFill>
+                <a:latin typeface="微软雅黑" panose="020B0503020204020204" pitchFamily="34" charset="-122"/>
+                <a:ea typeface="微软雅黑" panose="020B0503020204020204" pitchFamily="34" charset="-122"/>
+                <a:sym typeface="+mn-ea"/>
+              </a:rPr>
+              <a:t>工位申请</a:t>
+            </a:r>
+            <a:r>
+              <a:rPr lang="en-US" altLang="zh-CN" sz="4000" b="1" dirty="0">
+                <a:solidFill>
+                  <a:srgbClr val="002060"/>
+                </a:solidFill>
+                <a:latin typeface="微软雅黑" panose="020B0503020204020204" pitchFamily="34" charset="-122"/>
+                <a:ea typeface="微软雅黑" panose="020B0503020204020204" pitchFamily="34" charset="-122"/>
+                <a:sym typeface="+mn-ea"/>
+              </a:rPr>
+              <a:t>——</a:t>
+            </a:r>
+            <a:r>
+              <a:rPr lang="zh-CN" altLang="en-US" sz="4000" b="1" dirty="0">
+                <a:solidFill>
+                  <a:srgbClr val="002060"/>
+                </a:solidFill>
+                <a:latin typeface="微软雅黑" panose="020B0503020204020204" pitchFamily="34" charset="-122"/>
+                <a:ea typeface="微软雅黑" panose="020B0503020204020204" pitchFamily="34" charset="-122"/>
+                <a:sym typeface="+mn-ea"/>
+              </a:rPr>
+              <a:t>参与紫金创业元空间授牌仪式</a:t>
+            </a:r>
+          </a:p>
+        </p:txBody>
+      </p:sp>
+      <p:sp>
+        <p:nvSpPr>
+          <p:cNvPr id="2" name="矩形 1"/>
+          <p:cNvSpPr/>
+          <p:nvPr/>
+        </p:nvSpPr>
+        <p:spPr>
+          <a:xfrm>
+            <a:off x="4682235" y="7930098"/>
+            <a:ext cx="13034829" cy="814582"/>
+          </a:xfrm>
+          <a:prstGeom prst="rect">
+            <a:avLst/>
+          </a:prstGeom>
+        </p:spPr>
+        <p:txBody>
+          <a:bodyPr wrap="square">
+            <a:spAutoFit/>
+          </a:bodyPr>
+          <a:lstStyle/>
+          <a:p>
+            <a:pPr marL="508000" indent="-508000" defTabSz="1625600">
+              <a:lnSpc>
+                <a:spcPct val="130000"/>
+              </a:lnSpc>
+              <a:spcAft>
+                <a:spcPts val="1065"/>
+              </a:spcAft>
+              <a:buFont typeface="Wingdings" panose="05000000000000000000" pitchFamily="2" charset="2"/>
+              <a:buChar char="Ø"/>
+            </a:pPr>
+            <a:r>
+              <a:rPr lang="en-US" altLang="zh-CN" sz="4000" b="1" dirty="0">
+                <a:solidFill>
+                  <a:srgbClr val="002060"/>
+                </a:solidFill>
+                <a:latin typeface="微软雅黑" panose="020B0503020204020204" pitchFamily="34" charset="-122"/>
+                <a:ea typeface="微软雅黑" panose="020B0503020204020204" pitchFamily="34" charset="-122"/>
+                <a:sym typeface="+mn-ea"/>
+              </a:rPr>
+              <a:t>5.</a:t>
+            </a:r>
+            <a:r>
+              <a:rPr lang="zh-CN" altLang="en-US" sz="4000" b="1" dirty="0">
+                <a:solidFill>
+                  <a:srgbClr val="002060"/>
+                </a:solidFill>
+                <a:latin typeface="微软雅黑" panose="020B0503020204020204" pitchFamily="34" charset="-122"/>
+                <a:ea typeface="微软雅黑" panose="020B0503020204020204" pitchFamily="34" charset="-122"/>
+                <a:sym typeface="+mn-ea"/>
+              </a:rPr>
+              <a:t>读书报告</a:t>
+            </a:r>
+            <a:r>
+              <a:rPr lang="en-US" altLang="zh-CN" sz="4000" b="1" dirty="0">
+                <a:solidFill>
+                  <a:srgbClr val="002060"/>
+                </a:solidFill>
+                <a:latin typeface="微软雅黑" panose="020B0503020204020204" pitchFamily="34" charset="-122"/>
+                <a:ea typeface="微软雅黑" panose="020B0503020204020204" pitchFamily="34" charset="-122"/>
+                <a:sym typeface="+mn-ea"/>
+              </a:rPr>
+              <a:t>——</a:t>
+            </a:r>
+            <a:r>
+              <a:rPr lang="zh-CN" altLang="en-US" sz="4000" b="1" dirty="0">
+                <a:solidFill>
+                  <a:srgbClr val="002060"/>
+                </a:solidFill>
+                <a:latin typeface="微软雅黑" panose="020B0503020204020204" pitchFamily="34" charset="-122"/>
+                <a:ea typeface="微软雅黑" panose="020B0503020204020204" pitchFamily="34" charset="-122"/>
+                <a:sym typeface="+mn-ea"/>
+              </a:rPr>
+              <a:t>聆听生物微纳传感器小组读书报告</a:t>
+            </a:r>
+          </a:p>
+        </p:txBody>
+      </p:sp>
+      <p:sp>
+        <p:nvSpPr>
+          <p:cNvPr id="3" name="矩形 2">
             <a:extLst>
               <a:ext uri="{FF2B5EF4-FFF2-40B4-BE49-F238E27FC236}">
-                <a16:creationId xmlns:a16="http://schemas.microsoft.com/office/drawing/2014/main" id="{0B0ABBAB-BFAE-1F6E-F46C-E48C998FF6DD}"/>
+                <a16:creationId xmlns:a16="http://schemas.microsoft.com/office/drawing/2014/main" id="{43FDF283-E864-980A-31D3-B01BAD2DB4B9}"/>
               </a:ext>
             </a:extLst>
           </p:cNvPr>
-          <p:cNvGrpSpPr/>
+          <p:cNvSpPr/>
           <p:nvPr/>
-        </p:nvGrpSpPr>
-        <p:grpSpPr>
+        </p:nvSpPr>
+        <p:spPr>
           <a:xfrm>
-            <a:off x="4788562" y="2997957"/>
-            <a:ext cx="13248427" cy="6196085"/>
-            <a:chOff x="5272656" y="3122388"/>
-            <a:chExt cx="12567109" cy="6196085"/>
+            <a:off x="4682235" y="9223099"/>
+            <a:ext cx="13034828" cy="814582"/>
           </a:xfrm>
-        </p:grpSpPr>
-        <p:grpSp>
-          <p:nvGrpSpPr>
-            <p:cNvPr id="4" name="组合 3"/>
-            <p:cNvGrpSpPr/>
-            <p:nvPr/>
-          </p:nvGrpSpPr>
-          <p:grpSpPr>
-            <a:xfrm>
-              <a:off x="5272656" y="3122388"/>
-              <a:ext cx="12567109" cy="4374150"/>
-              <a:chOff x="5290342" y="3034982"/>
-              <a:chExt cx="12327892" cy="4374152"/>
-            </a:xfrm>
-          </p:grpSpPr>
-          <p:grpSp>
-            <p:nvGrpSpPr>
-              <p:cNvPr id="8" name="组合 7"/>
-              <p:cNvGrpSpPr/>
-              <p:nvPr/>
-            </p:nvGrpSpPr>
-            <p:grpSpPr>
-              <a:xfrm>
-                <a:off x="5290344" y="3034982"/>
-                <a:ext cx="12327890" cy="2590800"/>
-                <a:chOff x="7467" y="5335"/>
-                <a:chExt cx="19414" cy="4080"/>
-              </a:xfrm>
-            </p:grpSpPr>
-            <p:sp>
-              <p:nvSpPr>
-                <p:cNvPr id="9" name="矩形 8"/>
-                <p:cNvSpPr/>
-                <p:nvPr/>
-              </p:nvSpPr>
-              <p:spPr>
-                <a:xfrm>
-                  <a:off x="7467" y="5335"/>
-                  <a:ext cx="19414" cy="2543"/>
-                </a:xfrm>
-                <a:prstGeom prst="rect">
-                  <a:avLst/>
-                </a:prstGeom>
-              </p:spPr>
-              <p:txBody>
-                <a:bodyPr wrap="square">
-                  <a:spAutoFit/>
-                </a:bodyPr>
-                <a:lstStyle/>
-                <a:p>
-                  <a:pPr marL="508000" indent="-508000" defTabSz="1625600">
-                    <a:lnSpc>
-                      <a:spcPct val="130000"/>
-                    </a:lnSpc>
-                    <a:spcAft>
-                      <a:spcPts val="1065"/>
-                    </a:spcAft>
-                    <a:buFont typeface="Wingdings" panose="05000000000000000000" pitchFamily="2" charset="2"/>
-                    <a:buChar char="Ø"/>
-                  </a:pPr>
-                  <a:r>
-                    <a:rPr lang="en-US" altLang="zh-CN" sz="4000" b="1" dirty="0">
-                      <a:solidFill>
-                        <a:srgbClr val="002060"/>
-                      </a:solidFill>
-                      <a:latin typeface="微软雅黑" panose="020B0503020204020204" pitchFamily="34" charset="-122"/>
-                      <a:ea typeface="微软雅黑" panose="020B0503020204020204" pitchFamily="34" charset="-122"/>
-                      <a:sym typeface="+mn-ea"/>
-                    </a:rPr>
-                    <a:t>1.</a:t>
-                  </a:r>
-                  <a:r>
-                    <a:rPr lang="zh-CN" altLang="en-US" sz="4000" b="1" dirty="0">
-                      <a:solidFill>
-                        <a:srgbClr val="002060"/>
-                      </a:solidFill>
-                      <a:latin typeface="微软雅黑" panose="020B0503020204020204" pitchFamily="34" charset="-122"/>
-                      <a:ea typeface="微软雅黑" panose="020B0503020204020204" pitchFamily="34" charset="-122"/>
-                      <a:sym typeface="+mn-ea"/>
-                    </a:rPr>
-                    <a:t>会议筹备</a:t>
-                  </a:r>
-                  <a:r>
-                    <a:rPr lang="en-US" altLang="zh-CN" sz="4000" b="1" dirty="0">
-                      <a:solidFill>
-                        <a:srgbClr val="002060"/>
-                      </a:solidFill>
-                      <a:latin typeface="微软雅黑" panose="020B0503020204020204" pitchFamily="34" charset="-122"/>
-                      <a:ea typeface="微软雅黑" panose="020B0503020204020204" pitchFamily="34" charset="-122"/>
-                      <a:sym typeface="+mn-ea"/>
-                    </a:rPr>
-                    <a:t>——</a:t>
-                  </a:r>
-                  <a:r>
-                    <a:rPr lang="zh-CN" altLang="en-US" sz="4000" b="1" dirty="0">
-                      <a:solidFill>
-                        <a:srgbClr val="002060"/>
-                      </a:solidFill>
-                      <a:latin typeface="微软雅黑" panose="020B0503020204020204" pitchFamily="34" charset="-122"/>
-                      <a:ea typeface="微软雅黑" panose="020B0503020204020204" pitchFamily="34" charset="-122"/>
-                      <a:sym typeface="+mn-ea"/>
-                    </a:rPr>
-                    <a:t>参与</a:t>
-                  </a:r>
-                  <a:r>
-                    <a:rPr lang="en-US" altLang="zh-CN" sz="4000" b="1" dirty="0">
-                      <a:solidFill>
-                        <a:srgbClr val="002060"/>
-                      </a:solidFill>
-                      <a:latin typeface="微软雅黑" panose="020B0503020204020204" pitchFamily="34" charset="-122"/>
-                      <a:ea typeface="微软雅黑" panose="020B0503020204020204" pitchFamily="34" charset="-122"/>
-                      <a:sym typeface="+mn-ea"/>
-                    </a:rPr>
-                    <a:t>30</a:t>
-                  </a:r>
-                  <a:r>
-                    <a:rPr lang="zh-CN" altLang="en-US" sz="4000" b="1" dirty="0">
-                      <a:solidFill>
-                        <a:srgbClr val="002060"/>
-                      </a:solidFill>
-                      <a:latin typeface="微软雅黑" panose="020B0503020204020204" pitchFamily="34" charset="-122"/>
-                      <a:ea typeface="微软雅黑" panose="020B0503020204020204" pitchFamily="34" charset="-122"/>
-                      <a:sym typeface="+mn-ea"/>
-                    </a:rPr>
-                    <a:t>周年、青年论坛筹备工作</a:t>
-                  </a:r>
-                </a:p>
-              </p:txBody>
-            </p:sp>
-            <p:sp>
-              <p:nvSpPr>
-                <p:cNvPr id="7" name="矩形 6"/>
-                <p:cNvSpPr/>
-                <p:nvPr/>
-              </p:nvSpPr>
-              <p:spPr>
-                <a:xfrm>
-                  <a:off x="7467" y="8132"/>
-                  <a:ext cx="19101" cy="1283"/>
-                </a:xfrm>
-                <a:prstGeom prst="rect">
-                  <a:avLst/>
-                </a:prstGeom>
-              </p:spPr>
-              <p:txBody>
-                <a:bodyPr wrap="square">
-                  <a:spAutoFit/>
-                </a:bodyPr>
-                <a:lstStyle/>
-                <a:p>
-                  <a:pPr marL="508000" indent="-508000" defTabSz="1625600">
-                    <a:lnSpc>
-                      <a:spcPct val="130000"/>
-                    </a:lnSpc>
-                    <a:spcAft>
-                      <a:spcPts val="1065"/>
-                    </a:spcAft>
-                    <a:buFont typeface="Wingdings" panose="05000000000000000000" pitchFamily="2" charset="2"/>
-                    <a:buChar char="Ø"/>
-                  </a:pPr>
-                  <a:r>
-                    <a:rPr lang="en-US" altLang="zh-CN" sz="4000" b="1" dirty="0">
-                      <a:solidFill>
-                        <a:srgbClr val="002060"/>
-                      </a:solidFill>
-                      <a:latin typeface="微软雅黑" panose="020B0503020204020204" pitchFamily="34" charset="-122"/>
-                      <a:ea typeface="微软雅黑" panose="020B0503020204020204" pitchFamily="34" charset="-122"/>
-                      <a:sym typeface="+mn-ea"/>
-                    </a:rPr>
-                    <a:t>2.</a:t>
-                  </a:r>
-                  <a:r>
-                    <a:rPr lang="zh-CN" altLang="en-US" sz="4000" b="1" dirty="0">
-                      <a:solidFill>
-                        <a:srgbClr val="002060"/>
-                      </a:solidFill>
-                      <a:latin typeface="微软雅黑" panose="020B0503020204020204" pitchFamily="34" charset="-122"/>
-                      <a:ea typeface="微软雅黑" panose="020B0503020204020204" pitchFamily="34" charset="-122"/>
-                      <a:sym typeface="+mn-ea"/>
-                    </a:rPr>
-                    <a:t>工位申请</a:t>
-                  </a:r>
-                  <a:r>
-                    <a:rPr lang="en-US" altLang="zh-CN" sz="4000" b="1" dirty="0">
-                      <a:solidFill>
-                        <a:srgbClr val="002060"/>
-                      </a:solidFill>
-                      <a:latin typeface="微软雅黑" panose="020B0503020204020204" pitchFamily="34" charset="-122"/>
-                      <a:ea typeface="微软雅黑" panose="020B0503020204020204" pitchFamily="34" charset="-122"/>
-                      <a:sym typeface="+mn-ea"/>
-                    </a:rPr>
-                    <a:t>——</a:t>
-                  </a:r>
-                  <a:r>
-                    <a:rPr lang="zh-CN" altLang="en-US" sz="4000" b="1" dirty="0">
-                      <a:solidFill>
-                        <a:srgbClr val="002060"/>
-                      </a:solidFill>
-                      <a:latin typeface="微软雅黑" panose="020B0503020204020204" pitchFamily="34" charset="-122"/>
-                      <a:ea typeface="微软雅黑" panose="020B0503020204020204" pitchFamily="34" charset="-122"/>
-                      <a:sym typeface="+mn-ea"/>
-                    </a:rPr>
-                    <a:t>参与紫金创业元空间授牌仪式</a:t>
-                  </a:r>
-                </a:p>
-              </p:txBody>
-            </p:sp>
-          </p:grpSp>
-          <p:sp>
-            <p:nvSpPr>
-              <p:cNvPr id="2" name="矩形 1"/>
-              <p:cNvSpPr/>
-              <p:nvPr/>
-            </p:nvSpPr>
-            <p:spPr>
-              <a:xfrm>
-                <a:off x="5290342" y="6594552"/>
-                <a:ext cx="12129135" cy="814582"/>
-              </a:xfrm>
-              <a:prstGeom prst="rect">
-                <a:avLst/>
-              </a:prstGeom>
-            </p:spPr>
-            <p:txBody>
-              <a:bodyPr wrap="square">
-                <a:spAutoFit/>
-              </a:bodyPr>
-              <a:lstStyle/>
-              <a:p>
-                <a:pPr marL="508000" indent="-508000" defTabSz="1625600">
-                  <a:lnSpc>
-                    <a:spcPct val="130000"/>
-                  </a:lnSpc>
-                  <a:spcAft>
-                    <a:spcPts val="1065"/>
-                  </a:spcAft>
-                  <a:buFont typeface="Wingdings" panose="05000000000000000000" pitchFamily="2" charset="2"/>
-                  <a:buChar char="Ø"/>
-                </a:pPr>
-                <a:r>
-                  <a:rPr lang="en-US" altLang="zh-CN" sz="4000" b="1" dirty="0">
-                    <a:solidFill>
-                      <a:srgbClr val="002060"/>
-                    </a:solidFill>
-                    <a:latin typeface="微软雅黑" panose="020B0503020204020204" pitchFamily="34" charset="-122"/>
-                    <a:ea typeface="微软雅黑" panose="020B0503020204020204" pitchFamily="34" charset="-122"/>
-                    <a:sym typeface="+mn-ea"/>
-                  </a:rPr>
-                  <a:t>3.</a:t>
-                </a:r>
-                <a:r>
-                  <a:rPr lang="zh-CN" altLang="en-US" sz="4000" b="1" dirty="0">
-                    <a:solidFill>
-                      <a:srgbClr val="002060"/>
-                    </a:solidFill>
-                    <a:latin typeface="微软雅黑" panose="020B0503020204020204" pitchFamily="34" charset="-122"/>
-                    <a:ea typeface="微软雅黑" panose="020B0503020204020204" pitchFamily="34" charset="-122"/>
-                    <a:sym typeface="+mn-ea"/>
-                  </a:rPr>
-                  <a:t>读书报告</a:t>
-                </a:r>
-                <a:r>
-                  <a:rPr lang="en-US" altLang="zh-CN" sz="4000" b="1" dirty="0">
-                    <a:solidFill>
-                      <a:srgbClr val="002060"/>
-                    </a:solidFill>
-                    <a:latin typeface="微软雅黑" panose="020B0503020204020204" pitchFamily="34" charset="-122"/>
-                    <a:ea typeface="微软雅黑" panose="020B0503020204020204" pitchFamily="34" charset="-122"/>
-                    <a:sym typeface="+mn-ea"/>
-                  </a:rPr>
-                  <a:t>——</a:t>
-                </a:r>
-                <a:r>
-                  <a:rPr lang="zh-CN" altLang="en-US" sz="4000" b="1" dirty="0">
-                    <a:solidFill>
-                      <a:srgbClr val="002060"/>
-                    </a:solidFill>
-                    <a:latin typeface="微软雅黑" panose="020B0503020204020204" pitchFamily="34" charset="-122"/>
-                    <a:ea typeface="微软雅黑" panose="020B0503020204020204" pitchFamily="34" charset="-122"/>
-                    <a:sym typeface="+mn-ea"/>
-                  </a:rPr>
-                  <a:t>聆听生物微纳传感器小组读书报告</a:t>
-                </a:r>
-              </a:p>
-            </p:txBody>
-          </p:sp>
-        </p:grpSp>
-        <p:sp>
-          <p:nvSpPr>
-            <p:cNvPr id="3" name="矩形 2">
-              <a:extLst>
-                <a:ext uri="{FF2B5EF4-FFF2-40B4-BE49-F238E27FC236}">
-                  <a16:creationId xmlns:a16="http://schemas.microsoft.com/office/drawing/2014/main" id="{43FDF283-E864-980A-31D3-B01BAD2DB4B9}"/>
-                </a:ext>
-              </a:extLst>
-            </p:cNvPr>
-            <p:cNvSpPr/>
-            <p:nvPr/>
-          </p:nvSpPr>
-          <p:spPr>
-            <a:xfrm>
-              <a:off x="5272656" y="8503891"/>
-              <a:ext cx="12364495" cy="814582"/>
-            </a:xfrm>
-            <a:prstGeom prst="rect">
-              <a:avLst/>
-            </a:prstGeom>
-          </p:spPr>
-          <p:txBody>
-            <a:bodyPr wrap="square">
-              <a:spAutoFit/>
-            </a:bodyPr>
-            <a:lstStyle/>
-            <a:p>
-              <a:pPr marL="508000" indent="-508000" defTabSz="1625600">
-                <a:lnSpc>
-                  <a:spcPct val="130000"/>
-                </a:lnSpc>
-                <a:spcAft>
-                  <a:spcPts val="1065"/>
-                </a:spcAft>
-                <a:buFont typeface="Wingdings" panose="05000000000000000000" pitchFamily="2" charset="2"/>
-                <a:buChar char="Ø"/>
-              </a:pPr>
-              <a:r>
-                <a:rPr lang="en-US" altLang="zh-CN" sz="4000" b="1" dirty="0">
-                  <a:solidFill>
-                    <a:srgbClr val="002060"/>
-                  </a:solidFill>
-                  <a:latin typeface="微软雅黑" panose="020B0503020204020204" pitchFamily="34" charset="-122"/>
-                  <a:ea typeface="微软雅黑" panose="020B0503020204020204" pitchFamily="34" charset="-122"/>
-                  <a:sym typeface="+mn-ea"/>
-                </a:rPr>
-                <a:t>4.</a:t>
-              </a:r>
-              <a:r>
-                <a:rPr lang="zh-CN" altLang="en-US" sz="4000" b="1" dirty="0">
-                  <a:solidFill>
-                    <a:srgbClr val="002060"/>
-                  </a:solidFill>
-                  <a:latin typeface="微软雅黑" panose="020B0503020204020204" pitchFamily="34" charset="-122"/>
-                  <a:ea typeface="微软雅黑" panose="020B0503020204020204" pitchFamily="34" charset="-122"/>
-                  <a:sym typeface="+mn-ea"/>
-                </a:rPr>
-                <a:t>外文写作</a:t>
-              </a:r>
-              <a:r>
-                <a:rPr lang="en-US" altLang="zh-CN" sz="4000" b="1" dirty="0">
-                  <a:solidFill>
-                    <a:srgbClr val="002060"/>
-                  </a:solidFill>
-                  <a:latin typeface="微软雅黑" panose="020B0503020204020204" pitchFamily="34" charset="-122"/>
-                  <a:ea typeface="微软雅黑" panose="020B0503020204020204" pitchFamily="34" charset="-122"/>
-                  <a:sym typeface="+mn-ea"/>
-                </a:rPr>
-                <a:t>——</a:t>
-              </a:r>
-              <a:r>
-                <a:rPr lang="zh-CN" altLang="en-US" sz="4000" b="1" dirty="0">
-                  <a:solidFill>
-                    <a:srgbClr val="002060"/>
-                  </a:solidFill>
-                  <a:latin typeface="微软雅黑" panose="020B0503020204020204" pitchFamily="34" charset="-122"/>
-                  <a:ea typeface="微软雅黑" panose="020B0503020204020204" pitchFamily="34" charset="-122"/>
-                  <a:sym typeface="+mn-ea"/>
-                </a:rPr>
-                <a:t>学习英文论文查找、写作相关知识</a:t>
-              </a:r>
-            </a:p>
-          </p:txBody>
-        </p:sp>
-      </p:grpSp>
+          <a:prstGeom prst="rect">
+            <a:avLst/>
+          </a:prstGeom>
+        </p:spPr>
+        <p:txBody>
+          <a:bodyPr wrap="square">
+            <a:spAutoFit/>
+          </a:bodyPr>
+          <a:lstStyle/>
+          <a:p>
+            <a:pPr marL="508000" indent="-508000" defTabSz="1625600">
+              <a:lnSpc>
+                <a:spcPct val="130000"/>
+              </a:lnSpc>
+              <a:spcAft>
+                <a:spcPts val="1065"/>
+              </a:spcAft>
+              <a:buFont typeface="Wingdings" panose="05000000000000000000" pitchFamily="2" charset="2"/>
+              <a:buChar char="Ø"/>
+            </a:pPr>
+            <a:r>
+              <a:rPr lang="en-US" altLang="zh-CN" sz="4000" b="1" dirty="0">
+                <a:solidFill>
+                  <a:srgbClr val="002060"/>
+                </a:solidFill>
+                <a:latin typeface="微软雅黑" panose="020B0503020204020204" pitchFamily="34" charset="-122"/>
+                <a:ea typeface="微软雅黑" panose="020B0503020204020204" pitchFamily="34" charset="-122"/>
+                <a:sym typeface="+mn-ea"/>
+              </a:rPr>
+              <a:t>6.</a:t>
+            </a:r>
+            <a:r>
+              <a:rPr lang="zh-CN" altLang="en-US" sz="4000" b="1" dirty="0">
+                <a:solidFill>
+                  <a:srgbClr val="002060"/>
+                </a:solidFill>
+                <a:latin typeface="微软雅黑" panose="020B0503020204020204" pitchFamily="34" charset="-122"/>
+                <a:ea typeface="微软雅黑" panose="020B0503020204020204" pitchFamily="34" charset="-122"/>
+                <a:sym typeface="+mn-ea"/>
+              </a:rPr>
+              <a:t>外文写作</a:t>
+            </a:r>
+            <a:r>
+              <a:rPr lang="en-US" altLang="zh-CN" sz="4000" b="1" dirty="0">
+                <a:solidFill>
+                  <a:srgbClr val="002060"/>
+                </a:solidFill>
+                <a:latin typeface="微软雅黑" panose="020B0503020204020204" pitchFamily="34" charset="-122"/>
+                <a:ea typeface="微软雅黑" panose="020B0503020204020204" pitchFamily="34" charset="-122"/>
+                <a:sym typeface="+mn-ea"/>
+              </a:rPr>
+              <a:t>——</a:t>
+            </a:r>
+            <a:r>
+              <a:rPr lang="zh-CN" altLang="en-US" sz="4000" b="1" dirty="0">
+                <a:solidFill>
+                  <a:srgbClr val="002060"/>
+                </a:solidFill>
+                <a:latin typeface="微软雅黑" panose="020B0503020204020204" pitchFamily="34" charset="-122"/>
+                <a:ea typeface="微软雅黑" panose="020B0503020204020204" pitchFamily="34" charset="-122"/>
+                <a:sym typeface="+mn-ea"/>
+              </a:rPr>
+              <a:t>学习英文论文查找、写作相关知识</a:t>
+            </a:r>
+          </a:p>
+        </p:txBody>
+      </p:sp>
+      <p:sp>
+        <p:nvSpPr>
+          <p:cNvPr id="6" name="矩形 5">
+            <a:extLst>
+              <a:ext uri="{FF2B5EF4-FFF2-40B4-BE49-F238E27FC236}">
+                <a16:creationId xmlns:a16="http://schemas.microsoft.com/office/drawing/2014/main" id="{65376648-2B7E-1BC4-F43E-AEEFC8D1A3D5}"/>
+              </a:ext>
+            </a:extLst>
+          </p:cNvPr>
+          <p:cNvSpPr/>
+          <p:nvPr/>
+        </p:nvSpPr>
+        <p:spPr>
+          <a:xfrm>
+            <a:off x="4682237" y="2512349"/>
+            <a:ext cx="13248425" cy="814582"/>
+          </a:xfrm>
+          <a:prstGeom prst="rect">
+            <a:avLst/>
+          </a:prstGeom>
+        </p:spPr>
+        <p:txBody>
+          <a:bodyPr wrap="square">
+            <a:spAutoFit/>
+          </a:bodyPr>
+          <a:lstStyle/>
+          <a:p>
+            <a:pPr marL="508000" indent="-508000" defTabSz="1625600">
+              <a:lnSpc>
+                <a:spcPct val="130000"/>
+              </a:lnSpc>
+              <a:spcAft>
+                <a:spcPts val="1065"/>
+              </a:spcAft>
+              <a:buFont typeface="Wingdings" panose="05000000000000000000" pitchFamily="2" charset="2"/>
+              <a:buChar char="Ø"/>
+            </a:pPr>
+            <a:r>
+              <a:rPr lang="en-US" altLang="zh-CN" sz="4000" b="1" dirty="0">
+                <a:solidFill>
+                  <a:srgbClr val="002060"/>
+                </a:solidFill>
+                <a:latin typeface="微软雅黑" panose="020B0503020204020204" pitchFamily="34" charset="-122"/>
+                <a:ea typeface="微软雅黑" panose="020B0503020204020204" pitchFamily="34" charset="-122"/>
+                <a:sym typeface="+mn-ea"/>
+              </a:rPr>
+              <a:t>1.</a:t>
+            </a:r>
+            <a:r>
+              <a:rPr lang="zh-CN" altLang="en-US" sz="4000" b="1" dirty="0">
+                <a:solidFill>
+                  <a:srgbClr val="002060"/>
+                </a:solidFill>
+                <a:latin typeface="微软雅黑" panose="020B0503020204020204" pitchFamily="34" charset="-122"/>
+                <a:ea typeface="微软雅黑" panose="020B0503020204020204" pitchFamily="34" charset="-122"/>
+                <a:sym typeface="+mn-ea"/>
+              </a:rPr>
+              <a:t>科研进展</a:t>
+            </a:r>
+            <a:r>
+              <a:rPr lang="en-US" altLang="zh-CN" sz="4000" b="1" dirty="0">
+                <a:solidFill>
+                  <a:srgbClr val="002060"/>
+                </a:solidFill>
+                <a:latin typeface="微软雅黑" panose="020B0503020204020204" pitchFamily="34" charset="-122"/>
+                <a:ea typeface="微软雅黑" panose="020B0503020204020204" pitchFamily="34" charset="-122"/>
+                <a:sym typeface="+mn-ea"/>
+              </a:rPr>
+              <a:t>——</a:t>
+            </a:r>
+            <a:r>
+              <a:rPr lang="zh-CN" altLang="en-US" sz="4000" b="1" dirty="0">
+                <a:solidFill>
+                  <a:srgbClr val="002060"/>
+                </a:solidFill>
+                <a:latin typeface="微软雅黑" panose="020B0503020204020204" pitchFamily="34" charset="-122"/>
+                <a:ea typeface="微软雅黑" panose="020B0503020204020204" pitchFamily="34" charset="-122"/>
+                <a:sym typeface="+mn-ea"/>
+              </a:rPr>
+              <a:t>基于几何变换的数据增强方法</a:t>
+            </a:r>
+          </a:p>
+        </p:txBody>
+      </p:sp>
+      <p:sp>
+        <p:nvSpPr>
+          <p:cNvPr id="10" name="矩形 9">
+            <a:extLst>
+              <a:ext uri="{FF2B5EF4-FFF2-40B4-BE49-F238E27FC236}">
+                <a16:creationId xmlns:a16="http://schemas.microsoft.com/office/drawing/2014/main" id="{7BC025C7-C3C6-C0EA-DA6D-336FAB170B31}"/>
+              </a:ext>
+            </a:extLst>
+          </p:cNvPr>
+          <p:cNvSpPr/>
+          <p:nvPr/>
+        </p:nvSpPr>
+        <p:spPr>
+          <a:xfrm>
+            <a:off x="4682236" y="3857451"/>
+            <a:ext cx="13473463" cy="814582"/>
+          </a:xfrm>
+          <a:prstGeom prst="rect">
+            <a:avLst/>
+          </a:prstGeom>
+        </p:spPr>
+        <p:txBody>
+          <a:bodyPr wrap="square">
+            <a:spAutoFit/>
+          </a:bodyPr>
+          <a:lstStyle/>
+          <a:p>
+            <a:pPr marL="508000" indent="-508000" defTabSz="1625600">
+              <a:lnSpc>
+                <a:spcPct val="130000"/>
+              </a:lnSpc>
+              <a:spcAft>
+                <a:spcPts val="1065"/>
+              </a:spcAft>
+              <a:buFont typeface="Wingdings" panose="05000000000000000000" pitchFamily="2" charset="2"/>
+              <a:buChar char="Ø"/>
+            </a:pPr>
+            <a:r>
+              <a:rPr lang="en-US" altLang="zh-CN" sz="4000" b="1" dirty="0">
+                <a:solidFill>
+                  <a:srgbClr val="002060"/>
+                </a:solidFill>
+                <a:latin typeface="微软雅黑" panose="020B0503020204020204" pitchFamily="34" charset="-122"/>
+                <a:ea typeface="微软雅黑" panose="020B0503020204020204" pitchFamily="34" charset="-122"/>
+                <a:sym typeface="+mn-ea"/>
+              </a:rPr>
+              <a:t>2.</a:t>
+            </a:r>
+            <a:r>
+              <a:rPr lang="zh-CN" altLang="en-US" sz="4000" b="1" dirty="0">
+                <a:solidFill>
+                  <a:srgbClr val="002060"/>
+                </a:solidFill>
+                <a:latin typeface="微软雅黑" panose="020B0503020204020204" pitchFamily="34" charset="-122"/>
+                <a:ea typeface="微软雅黑" panose="020B0503020204020204" pitchFamily="34" charset="-122"/>
+                <a:sym typeface="+mn-ea"/>
+              </a:rPr>
+              <a:t>数据管理</a:t>
+            </a:r>
+            <a:r>
+              <a:rPr lang="en-US" altLang="zh-CN" sz="4000" b="1" dirty="0">
+                <a:solidFill>
+                  <a:srgbClr val="002060"/>
+                </a:solidFill>
+                <a:latin typeface="微软雅黑" panose="020B0503020204020204" pitchFamily="34" charset="-122"/>
+                <a:ea typeface="微软雅黑" panose="020B0503020204020204" pitchFamily="34" charset="-122"/>
+                <a:sym typeface="+mn-ea"/>
+              </a:rPr>
+              <a:t>——</a:t>
+            </a:r>
+            <a:r>
+              <a:rPr lang="zh-CN" altLang="en-US" sz="4000" b="1" dirty="0">
+                <a:solidFill>
+                  <a:srgbClr val="002060"/>
+                </a:solidFill>
+                <a:latin typeface="微软雅黑" panose="020B0503020204020204" pitchFamily="34" charset="-122"/>
+                <a:ea typeface="微软雅黑" panose="020B0503020204020204" pitchFamily="34" charset="-122"/>
+                <a:sym typeface="+mn-ea"/>
+              </a:rPr>
+              <a:t>拟购买硬件用于搭建</a:t>
+            </a:r>
+            <a:r>
+              <a:rPr lang="en-US" altLang="zh-CN" sz="4000" b="1" dirty="0">
+                <a:solidFill>
+                  <a:srgbClr val="002060"/>
+                </a:solidFill>
+                <a:latin typeface="微软雅黑" panose="020B0503020204020204" pitchFamily="34" charset="-122"/>
+                <a:ea typeface="微软雅黑" panose="020B0503020204020204" pitchFamily="34" charset="-122"/>
+                <a:sym typeface="+mn-ea"/>
+              </a:rPr>
+              <a:t>NAS</a:t>
+            </a:r>
+            <a:r>
+              <a:rPr lang="zh-CN" altLang="en-US" sz="4000" b="1" dirty="0">
+                <a:solidFill>
+                  <a:srgbClr val="002060"/>
+                </a:solidFill>
+                <a:latin typeface="微软雅黑" panose="020B0503020204020204" pitchFamily="34" charset="-122"/>
+                <a:ea typeface="微软雅黑" panose="020B0503020204020204" pitchFamily="34" charset="-122"/>
+                <a:sym typeface="+mn-ea"/>
+              </a:rPr>
+              <a:t>服务器</a:t>
+            </a:r>
+          </a:p>
+        </p:txBody>
+      </p:sp>
     </p:spTree>
     <p:custDataLst>
       <p:tags r:id="rId1"/>
@@ -4250,6 +4559,526 @@
                 <a:ea typeface="微软雅黑" panose="020B0503020204020204" pitchFamily="34" charset="-122"/>
                 <a:sym typeface="+mn-ea"/>
               </a:rPr>
+              <a:t>科研进展</a:t>
+            </a:r>
+            <a:r>
+              <a:rPr lang="en-US" altLang="zh-CN" sz="4000" b="1" dirty="0">
+                <a:solidFill>
+                  <a:srgbClr val="002060"/>
+                </a:solidFill>
+                <a:latin typeface="微软雅黑" panose="020B0503020204020204" pitchFamily="34" charset="-122"/>
+                <a:ea typeface="微软雅黑" panose="020B0503020204020204" pitchFamily="34" charset="-122"/>
+                <a:sym typeface="+mn-ea"/>
+              </a:rPr>
+              <a:t>——</a:t>
+            </a:r>
+            <a:r>
+              <a:rPr lang="zh-CN" altLang="en-US" sz="4000" b="1" dirty="0">
+                <a:solidFill>
+                  <a:srgbClr val="002060"/>
+                </a:solidFill>
+                <a:latin typeface="微软雅黑" panose="020B0503020204020204" pitchFamily="34" charset="-122"/>
+                <a:ea typeface="微软雅黑" panose="020B0503020204020204" pitchFamily="34" charset="-122"/>
+                <a:sym typeface="+mn-ea"/>
+              </a:rPr>
+              <a:t>基于几何变换的数据增强方法</a:t>
+            </a:r>
+          </a:p>
+        </p:txBody>
+      </p:sp>
+      <p:sp>
+        <p:nvSpPr>
+          <p:cNvPr id="15" name="文本框 14"/>
+          <p:cNvSpPr txBox="1"/>
+          <p:nvPr/>
+        </p:nvSpPr>
+        <p:spPr>
+          <a:xfrm>
+            <a:off x="15588154" y="3068199"/>
+            <a:ext cx="5065268" cy="7479297"/>
+          </a:xfrm>
+          <a:prstGeom prst="rect">
+            <a:avLst/>
+          </a:prstGeom>
+          <a:noFill/>
+        </p:spPr>
+        <p:txBody>
+          <a:bodyPr wrap="square">
+            <a:noAutofit/>
+          </a:bodyPr>
+          <a:lstStyle/>
+          <a:p>
+            <a:r>
+              <a:rPr lang="en-US" altLang="zh-CN" sz="5400" b="1" dirty="0">
+                <a:latin typeface="仿宋" panose="02010609060101010101" charset="-122"/>
+                <a:ea typeface="仿宋" panose="02010609060101010101" charset="-122"/>
+              </a:rPr>
+              <a:t>		</a:t>
+            </a:r>
+            <a:r>
+              <a:rPr lang="zh-CN" altLang="en-US" sz="5400" b="1" dirty="0">
+                <a:latin typeface="仿宋" panose="02010609060101010101" charset="-122"/>
+                <a:ea typeface="仿宋" panose="02010609060101010101" charset="-122"/>
+              </a:rPr>
+              <a:t>设计了一种通过几何变换等方法可以自动生成数据集的方法，经过标注后一定程度上</a:t>
+            </a:r>
+            <a:r>
+              <a:rPr lang="zh-CN" altLang="en-US" sz="5400" b="1" dirty="0">
+                <a:solidFill>
+                  <a:srgbClr val="FF0000"/>
+                </a:solidFill>
+                <a:latin typeface="仿宋" panose="02010609060101010101" charset="-122"/>
+                <a:ea typeface="仿宋" panose="02010609060101010101" charset="-122"/>
+              </a:rPr>
+              <a:t>替代原图像</a:t>
+            </a:r>
+            <a:r>
+              <a:rPr lang="zh-CN" altLang="en-US" sz="5400" b="1" dirty="0">
+                <a:latin typeface="仿宋" panose="02010609060101010101" charset="-122"/>
+                <a:ea typeface="仿宋" panose="02010609060101010101" charset="-122"/>
+              </a:rPr>
+              <a:t>用作神经网络的</a:t>
+            </a:r>
+            <a:r>
+              <a:rPr lang="zh-CN" altLang="en-US" sz="5400" b="1" dirty="0">
+                <a:solidFill>
+                  <a:srgbClr val="FF0000"/>
+                </a:solidFill>
+                <a:latin typeface="仿宋" panose="02010609060101010101" charset="-122"/>
+                <a:ea typeface="仿宋" panose="02010609060101010101" charset="-122"/>
+              </a:rPr>
+              <a:t>训练素材</a:t>
+            </a:r>
+            <a:r>
+              <a:rPr lang="zh-CN" altLang="en-US" sz="5400" b="1" dirty="0">
+                <a:latin typeface="仿宋" panose="02010609060101010101" charset="-122"/>
+                <a:ea typeface="仿宋" panose="02010609060101010101" charset="-122"/>
+              </a:rPr>
+              <a:t>。</a:t>
+            </a:r>
+          </a:p>
+        </p:txBody>
+      </p:sp>
+      <p:pic>
+        <p:nvPicPr>
+          <p:cNvPr id="10" name="图片 9">
+            <a:extLst>
+              <a:ext uri="{FF2B5EF4-FFF2-40B4-BE49-F238E27FC236}">
+                <a16:creationId xmlns:a16="http://schemas.microsoft.com/office/drawing/2014/main" id="{7AC4DE81-4C74-9353-FEBC-D1FF05E48C6A}"/>
+              </a:ext>
+            </a:extLst>
+          </p:cNvPr>
+          <p:cNvPicPr>
+            <a:picLocks noChangeAspect="1"/>
+          </p:cNvPicPr>
+          <p:nvPr/>
+        </p:nvPicPr>
+        <p:blipFill>
+          <a:blip r:embed="rId4">
+            <a:extLst>
+              <a:ext uri="{28A0092B-C50C-407E-A947-70E740481C1C}">
+                <a14:useLocalDpi xmlns:a14="http://schemas.microsoft.com/office/drawing/2010/main" val="0"/>
+              </a:ext>
+            </a:extLst>
+          </a:blip>
+          <a:stretch>
+            <a:fillRect/>
+          </a:stretch>
+        </p:blipFill>
+        <p:spPr>
+          <a:xfrm>
+            <a:off x="829331" y="1417622"/>
+            <a:ext cx="13661298" cy="10001745"/>
+          </a:xfrm>
+          <a:prstGeom prst="rect">
+            <a:avLst/>
+          </a:prstGeom>
+        </p:spPr>
+      </p:pic>
+    </p:spTree>
+    <p:custDataLst>
+      <p:tags r:id="rId1"/>
+    </p:custDataLst>
+  </p:cSld>
+  <p:clrMapOvr>
+    <a:masterClrMapping/>
+  </p:clrMapOvr>
+</p:sld>
+</file>
+
+<file path=ppt/slides/slide3.xml><?xml version="1.0" encoding="utf-8"?>
+<p:sld xmlns:a="http://schemas.openxmlformats.org/drawingml/2006/main" xmlns:r="http://schemas.openxmlformats.org/officeDocument/2006/relationships" xmlns:p="http://schemas.openxmlformats.org/presentationml/2006/main">
+  <p:cSld>
+    <p:spTree>
+      <p:nvGrpSpPr>
+        <p:cNvPr id="1" name=""/>
+        <p:cNvGrpSpPr/>
+        <p:nvPr/>
+      </p:nvGrpSpPr>
+      <p:grpSpPr>
+        <a:xfrm>
+          <a:off x="0" y="0"/>
+          <a:ext cx="0" cy="0"/>
+          <a:chOff x="0" y="0"/>
+          <a:chExt cx="0" cy="0"/>
+        </a:xfrm>
+      </p:grpSpPr>
+      <p:sp>
+        <p:nvSpPr>
+          <p:cNvPr id="2" name="矩形 1"/>
+          <p:cNvSpPr/>
+          <p:nvPr/>
+        </p:nvSpPr>
+        <p:spPr>
+          <a:xfrm>
+            <a:off x="373163" y="257824"/>
+            <a:ext cx="13473463" cy="814582"/>
+          </a:xfrm>
+          <a:prstGeom prst="rect">
+            <a:avLst/>
+          </a:prstGeom>
+        </p:spPr>
+        <p:txBody>
+          <a:bodyPr wrap="square">
+            <a:spAutoFit/>
+          </a:bodyPr>
+          <a:lstStyle/>
+          <a:p>
+            <a:pPr marL="508000" indent="-508000" defTabSz="1625600">
+              <a:lnSpc>
+                <a:spcPct val="130000"/>
+              </a:lnSpc>
+              <a:spcAft>
+                <a:spcPts val="1065"/>
+              </a:spcAft>
+              <a:buFont typeface="Wingdings" panose="05000000000000000000" pitchFamily="2" charset="2"/>
+              <a:buChar char="Ø"/>
+            </a:pPr>
+            <a:r>
+              <a:rPr lang="en-US" altLang="zh-CN" sz="4000" b="1" dirty="0">
+                <a:solidFill>
+                  <a:srgbClr val="002060"/>
+                </a:solidFill>
+                <a:latin typeface="微软雅黑" panose="020B0503020204020204" pitchFamily="34" charset="-122"/>
+                <a:ea typeface="微软雅黑" panose="020B0503020204020204" pitchFamily="34" charset="-122"/>
+                <a:sym typeface="+mn-ea"/>
+              </a:rPr>
+              <a:t>2.</a:t>
+            </a:r>
+            <a:r>
+              <a:rPr lang="zh-CN" altLang="en-US" sz="4000" b="1" dirty="0">
+                <a:solidFill>
+                  <a:srgbClr val="002060"/>
+                </a:solidFill>
+                <a:latin typeface="微软雅黑" panose="020B0503020204020204" pitchFamily="34" charset="-122"/>
+                <a:ea typeface="微软雅黑" panose="020B0503020204020204" pitchFamily="34" charset="-122"/>
+                <a:sym typeface="+mn-ea"/>
+              </a:rPr>
+              <a:t>数据管理</a:t>
+            </a:r>
+            <a:r>
+              <a:rPr lang="en-US" altLang="zh-CN" sz="4000" b="1" dirty="0">
+                <a:solidFill>
+                  <a:srgbClr val="002060"/>
+                </a:solidFill>
+                <a:latin typeface="微软雅黑" panose="020B0503020204020204" pitchFamily="34" charset="-122"/>
+                <a:ea typeface="微软雅黑" panose="020B0503020204020204" pitchFamily="34" charset="-122"/>
+                <a:sym typeface="+mn-ea"/>
+              </a:rPr>
+              <a:t>——</a:t>
+            </a:r>
+            <a:r>
+              <a:rPr lang="zh-CN" altLang="en-US" sz="4000" b="1" dirty="0">
+                <a:solidFill>
+                  <a:srgbClr val="002060"/>
+                </a:solidFill>
+                <a:latin typeface="微软雅黑" panose="020B0503020204020204" pitchFamily="34" charset="-122"/>
+                <a:ea typeface="微软雅黑" panose="020B0503020204020204" pitchFamily="34" charset="-122"/>
+                <a:sym typeface="+mn-ea"/>
+              </a:rPr>
+              <a:t>拟购买硬件用于搭建</a:t>
+            </a:r>
+            <a:r>
+              <a:rPr lang="en-US" altLang="zh-CN" sz="4000" b="1" dirty="0">
+                <a:solidFill>
+                  <a:srgbClr val="002060"/>
+                </a:solidFill>
+                <a:latin typeface="微软雅黑" panose="020B0503020204020204" pitchFamily="34" charset="-122"/>
+                <a:ea typeface="微软雅黑" panose="020B0503020204020204" pitchFamily="34" charset="-122"/>
+                <a:sym typeface="+mn-ea"/>
+              </a:rPr>
+              <a:t>NAS</a:t>
+            </a:r>
+            <a:r>
+              <a:rPr lang="zh-CN" altLang="en-US" sz="4000" b="1" dirty="0">
+                <a:solidFill>
+                  <a:srgbClr val="002060"/>
+                </a:solidFill>
+                <a:latin typeface="微软雅黑" panose="020B0503020204020204" pitchFamily="34" charset="-122"/>
+                <a:ea typeface="微软雅黑" panose="020B0503020204020204" pitchFamily="34" charset="-122"/>
+                <a:sym typeface="+mn-ea"/>
+              </a:rPr>
+              <a:t>服务器</a:t>
+            </a:r>
+          </a:p>
+        </p:txBody>
+      </p:sp>
+      <p:sp>
+        <p:nvSpPr>
+          <p:cNvPr id="15" name="文本框 14"/>
+          <p:cNvSpPr txBox="1"/>
+          <p:nvPr/>
+        </p:nvSpPr>
+        <p:spPr>
+          <a:xfrm>
+            <a:off x="16226114" y="2445488"/>
+            <a:ext cx="4805086" cy="7740502"/>
+          </a:xfrm>
+          <a:prstGeom prst="rect">
+            <a:avLst/>
+          </a:prstGeom>
+          <a:noFill/>
+        </p:spPr>
+        <p:txBody>
+          <a:bodyPr wrap="square">
+            <a:noAutofit/>
+          </a:bodyPr>
+          <a:lstStyle/>
+          <a:p>
+            <a:r>
+              <a:rPr lang="en-US" altLang="zh-CN" sz="5400" b="1" dirty="0">
+                <a:latin typeface="仿宋" panose="02010609060101010101" charset="-122"/>
+                <a:ea typeface="仿宋" panose="02010609060101010101" charset="-122"/>
+              </a:rPr>
+              <a:t>		</a:t>
+            </a:r>
+            <a:r>
+              <a:rPr lang="zh-CN" altLang="en-US" sz="5400" b="1" dirty="0">
+                <a:latin typeface="仿宋" panose="02010609060101010101" charset="-122"/>
+                <a:ea typeface="仿宋" panose="02010609060101010101" charset="-122"/>
+              </a:rPr>
+              <a:t>随着图片数据集体积的与日俱增，难以在各成员之间快速共享，需要搭建网络私有云存储服务器，服务器</a:t>
+            </a:r>
+            <a:r>
+              <a:rPr lang="zh-CN" altLang="en-US" sz="5400" b="1" dirty="0">
+                <a:solidFill>
+                  <a:srgbClr val="FF0000"/>
+                </a:solidFill>
+                <a:latin typeface="仿宋" panose="02010609060101010101" charset="-122"/>
+                <a:ea typeface="仿宋" panose="02010609060101010101" charset="-122"/>
+              </a:rPr>
+              <a:t>预算为</a:t>
+            </a:r>
+            <a:r>
+              <a:rPr lang="en-US" altLang="zh-CN" sz="5400" b="1" dirty="0">
+                <a:solidFill>
+                  <a:srgbClr val="FF0000"/>
+                </a:solidFill>
+                <a:latin typeface="仿宋" panose="02010609060101010101" charset="-122"/>
+                <a:ea typeface="仿宋" panose="02010609060101010101" charset="-122"/>
+              </a:rPr>
+              <a:t>2000</a:t>
+            </a:r>
+            <a:r>
+              <a:rPr lang="zh-CN" altLang="en-US" sz="5400" b="1" dirty="0">
+                <a:solidFill>
+                  <a:srgbClr val="FF0000"/>
+                </a:solidFill>
+                <a:latin typeface="仿宋" panose="02010609060101010101" charset="-122"/>
+                <a:ea typeface="仿宋" panose="02010609060101010101" charset="-122"/>
+              </a:rPr>
+              <a:t>左右</a:t>
+            </a:r>
+            <a:r>
+              <a:rPr lang="zh-CN" altLang="en-US" sz="5400" b="1" dirty="0">
+                <a:latin typeface="仿宋" panose="02010609060101010101" charset="-122"/>
+                <a:ea typeface="仿宋" panose="02010609060101010101" charset="-122"/>
+              </a:rPr>
+              <a:t>。</a:t>
+            </a:r>
+          </a:p>
+        </p:txBody>
+      </p:sp>
+      <p:pic>
+        <p:nvPicPr>
+          <p:cNvPr id="4" name="图片 3">
+            <a:extLst>
+              <a:ext uri="{FF2B5EF4-FFF2-40B4-BE49-F238E27FC236}">
+                <a16:creationId xmlns:a16="http://schemas.microsoft.com/office/drawing/2014/main" id="{E4AEB180-3187-B60A-1739-D537AAF8080D}"/>
+              </a:ext>
+            </a:extLst>
+          </p:cNvPr>
+          <p:cNvPicPr>
+            <a:picLocks noChangeAspect="1"/>
+          </p:cNvPicPr>
+          <p:nvPr/>
+        </p:nvPicPr>
+        <p:blipFill>
+          <a:blip r:embed="rId4">
+            <a:extLst>
+              <a:ext uri="{28A0092B-C50C-407E-A947-70E740481C1C}">
+                <a14:useLocalDpi xmlns:a14="http://schemas.microsoft.com/office/drawing/2010/main" val="0"/>
+              </a:ext>
+            </a:extLst>
+          </a:blip>
+          <a:stretch>
+            <a:fillRect/>
+          </a:stretch>
+        </p:blipFill>
+        <p:spPr>
+          <a:xfrm>
+            <a:off x="939819" y="1538749"/>
+            <a:ext cx="7077130" cy="10119482"/>
+          </a:xfrm>
+          <a:prstGeom prst="rect">
+            <a:avLst/>
+          </a:prstGeom>
+        </p:spPr>
+      </p:pic>
+      <p:pic>
+        <p:nvPicPr>
+          <p:cNvPr id="10" name="图片 9">
+            <a:extLst>
+              <a:ext uri="{FF2B5EF4-FFF2-40B4-BE49-F238E27FC236}">
+                <a16:creationId xmlns:a16="http://schemas.microsoft.com/office/drawing/2014/main" id="{A553AE99-D124-FA53-8F03-CC6C9D451E26}"/>
+              </a:ext>
+            </a:extLst>
+          </p:cNvPr>
+          <p:cNvPicPr>
+            <a:picLocks noChangeAspect="1"/>
+          </p:cNvPicPr>
+          <p:nvPr/>
+        </p:nvPicPr>
+        <p:blipFill>
+          <a:blip r:embed="rId5"/>
+          <a:stretch>
+            <a:fillRect/>
+          </a:stretch>
+        </p:blipFill>
+        <p:spPr>
+          <a:xfrm>
+            <a:off x="8415739" y="5194594"/>
+            <a:ext cx="7077130" cy="6463637"/>
+          </a:xfrm>
+          <a:prstGeom prst="rect">
+            <a:avLst/>
+          </a:prstGeom>
+        </p:spPr>
+      </p:pic>
+      <p:pic>
+        <p:nvPicPr>
+          <p:cNvPr id="13" name="图片 12">
+            <a:extLst>
+              <a:ext uri="{FF2B5EF4-FFF2-40B4-BE49-F238E27FC236}">
+                <a16:creationId xmlns:a16="http://schemas.microsoft.com/office/drawing/2014/main" id="{213FD2A1-03EF-7D25-97BF-B03A826B6B56}"/>
+              </a:ext>
+            </a:extLst>
+          </p:cNvPr>
+          <p:cNvPicPr>
+            <a:picLocks noChangeAspect="1"/>
+          </p:cNvPicPr>
+          <p:nvPr/>
+        </p:nvPicPr>
+        <p:blipFill>
+          <a:blip r:embed="rId6"/>
+          <a:stretch>
+            <a:fillRect/>
+          </a:stretch>
+        </p:blipFill>
+        <p:spPr>
+          <a:xfrm>
+            <a:off x="8415739" y="1467864"/>
+            <a:ext cx="7066997" cy="3359317"/>
+          </a:xfrm>
+          <a:prstGeom prst="rect">
+            <a:avLst/>
+          </a:prstGeom>
+        </p:spPr>
+      </p:pic>
+    </p:spTree>
+    <p:custDataLst>
+      <p:tags r:id="rId1"/>
+    </p:custDataLst>
+    <p:extLst>
+      <p:ext uri="{BB962C8B-B14F-4D97-AF65-F5344CB8AC3E}">
+        <p14:creationId xmlns:p14="http://schemas.microsoft.com/office/powerpoint/2010/main" val="575702648"/>
+      </p:ext>
+    </p:extLst>
+  </p:cSld>
+  <p:clrMapOvr>
+    <a:masterClrMapping/>
+  </p:clrMapOvr>
+</p:sld>
+</file>
+
+<file path=ppt/slides/slide4.xml><?xml version="1.0" encoding="utf-8"?>
+<p:sld xmlns:a="http://schemas.openxmlformats.org/drawingml/2006/main" xmlns:r="http://schemas.openxmlformats.org/officeDocument/2006/relationships" xmlns:p="http://schemas.openxmlformats.org/presentationml/2006/main">
+  <p:cSld>
+    <p:spTree>
+      <p:nvGrpSpPr>
+        <p:cNvPr id="1" name=""/>
+        <p:cNvGrpSpPr/>
+        <p:nvPr/>
+      </p:nvGrpSpPr>
+      <p:grpSpPr>
+        <a:xfrm>
+          <a:off x="0" y="0"/>
+          <a:ext cx="0" cy="0"/>
+          <a:chOff x="0" y="0"/>
+          <a:chExt cx="0" cy="0"/>
+        </a:xfrm>
+      </p:grpSpPr>
+      <p:sp>
+        <p:nvSpPr>
+          <p:cNvPr id="2" name="矩形 1"/>
+          <p:cNvSpPr/>
+          <p:nvPr/>
+        </p:nvSpPr>
+        <p:spPr>
+          <a:xfrm>
+            <a:off x="373163" y="257824"/>
+            <a:ext cx="13473463" cy="814582"/>
+          </a:xfrm>
+          <a:prstGeom prst="rect">
+            <a:avLst/>
+          </a:prstGeom>
+        </p:spPr>
+        <p:txBody>
+          <a:bodyPr wrap="square">
+            <a:spAutoFit/>
+          </a:bodyPr>
+          <a:lstStyle/>
+          <a:p>
+            <a:pPr marL="508000" indent="-508000" defTabSz="1625600">
+              <a:lnSpc>
+                <a:spcPct val="130000"/>
+              </a:lnSpc>
+              <a:spcAft>
+                <a:spcPts val="1065"/>
+              </a:spcAft>
+              <a:buFont typeface="Wingdings" panose="05000000000000000000" pitchFamily="2" charset="2"/>
+              <a:buChar char="Ø"/>
+            </a:pPr>
+            <a:r>
+              <a:rPr lang="en-US" altLang="zh-CN" sz="4000" b="1" dirty="0">
+                <a:solidFill>
+                  <a:srgbClr val="002060"/>
+                </a:solidFill>
+                <a:latin typeface="微软雅黑" panose="020B0503020204020204" pitchFamily="34" charset="-122"/>
+                <a:ea typeface="微软雅黑" panose="020B0503020204020204" pitchFamily="34" charset="-122"/>
+                <a:sym typeface="+mn-ea"/>
+              </a:rPr>
+              <a:t>3.</a:t>
+            </a:r>
+            <a:r>
+              <a:rPr lang="zh-CN" altLang="en-US" sz="4000" b="1" dirty="0">
+                <a:solidFill>
+                  <a:srgbClr val="002060"/>
+                </a:solidFill>
+                <a:latin typeface="微软雅黑" panose="020B0503020204020204" pitchFamily="34" charset="-122"/>
+                <a:ea typeface="微软雅黑" panose="020B0503020204020204" pitchFamily="34" charset="-122"/>
+                <a:sym typeface="+mn-ea"/>
+              </a:rPr>
               <a:t>会议筹备</a:t>
             </a:r>
             <a:r>
@@ -4347,7 +5176,7 @@
                 <a:latin typeface="仿宋" panose="02010609060101010101" charset="-122"/>
                 <a:ea typeface="仿宋" panose="02010609060101010101" charset="-122"/>
               </a:rPr>
-              <a:t>周年庆典会议期间的摄影、合照工作安排。</a:t>
+              <a:t>周年庆典会议期间的摄影、合照工作安排。 </a:t>
             </a:r>
           </a:p>
         </p:txBody>
@@ -4506,6 +5335,11 @@
     <p:custDataLst>
       <p:tags r:id="rId1"/>
     </p:custDataLst>
+    <p:extLst>
+      <p:ext uri="{BB962C8B-B14F-4D97-AF65-F5344CB8AC3E}">
+        <p14:creationId xmlns:p14="http://schemas.microsoft.com/office/powerpoint/2010/main" val="391740532"/>
+      </p:ext>
+    </p:extLst>
   </p:cSld>
   <p:clrMapOvr>
     <a:masterClrMapping/>
@@ -4513,7 +5347,7 @@
 </p:sld>
 </file>
 
-<file path=ppt/slides/slide3.xml><?xml version="1.0" encoding="utf-8"?>
+<file path=ppt/slides/slide5.xml><?xml version="1.0" encoding="utf-8"?>
 <p:sld xmlns:a="http://schemas.openxmlformats.org/drawingml/2006/main" xmlns:r="http://schemas.openxmlformats.org/officeDocument/2006/relationships" xmlns:p="http://schemas.openxmlformats.org/presentationml/2006/main">
   <p:cSld>
     <p:spTree>
@@ -4570,7 +5404,7 @@
                 <a:ea typeface="微软雅黑" panose="020B0503020204020204" pitchFamily="34" charset="-122"/>
                 <a:sym typeface="+mn-ea"/>
               </a:rPr>
-              <a:t>1.</a:t>
+              <a:t>3.</a:t>
             </a:r>
             <a:r>
               <a:rPr lang="zh-CN" altLang="en-US" sz="4000" b="1" dirty="0">
@@ -4638,8 +5472,8 @@
         </p:nvSpPr>
         <p:spPr>
           <a:xfrm>
-            <a:off x="16333695" y="4203018"/>
-            <a:ext cx="4636619" cy="4733617"/>
+            <a:off x="16333695" y="4203019"/>
+            <a:ext cx="4636619" cy="4510676"/>
           </a:xfrm>
           <a:prstGeom prst="rect">
             <a:avLst/>
@@ -4745,7 +5579,7 @@
 </p:sld>
 </file>
 
-<file path=ppt/slides/slide4.xml><?xml version="1.0" encoding="utf-8"?>
+<file path=ppt/slides/slide6.xml><?xml version="1.0" encoding="utf-8"?>
 <p:sld xmlns:a="http://schemas.openxmlformats.org/drawingml/2006/main" xmlns:r="http://schemas.openxmlformats.org/officeDocument/2006/relationships" xmlns:p="http://schemas.openxmlformats.org/presentationml/2006/main">
   <p:cSld>
     <p:spTree>
@@ -4802,7 +5636,7 @@
                 <a:ea typeface="微软雅黑" panose="020B0503020204020204" pitchFamily="34" charset="-122"/>
                 <a:sym typeface="+mn-ea"/>
               </a:rPr>
-              <a:t>1.</a:t>
+              <a:t>3.</a:t>
             </a:r>
             <a:r>
               <a:rPr lang="zh-CN" altLang="en-US" sz="4000" b="1" dirty="0">
@@ -4976,7 +5810,7 @@
 </p:sld>
 </file>
 
-<file path=ppt/slides/slide5.xml><?xml version="1.0" encoding="utf-8"?>
+<file path=ppt/slides/slide7.xml><?xml version="1.0" encoding="utf-8"?>
 <p:sld xmlns:a="http://schemas.openxmlformats.org/drawingml/2006/main" xmlns:r="http://schemas.openxmlformats.org/officeDocument/2006/relationships" xmlns:p="http://schemas.openxmlformats.org/presentationml/2006/main">
   <p:cSld>
     <p:spTree>
@@ -5033,7 +5867,7 @@
                 <a:ea typeface="微软雅黑" panose="020B0503020204020204" pitchFamily="34" charset="-122"/>
                 <a:sym typeface="+mn-ea"/>
               </a:rPr>
-              <a:t>2.</a:t>
+              <a:t>4.</a:t>
             </a:r>
             <a:r>
               <a:rPr lang="zh-CN" altLang="en-US" sz="4000" b="1" dirty="0">
@@ -5238,7 +6072,7 @@
 </p:sld>
 </file>
 
-<file path=ppt/slides/slide6.xml><?xml version="1.0" encoding="utf-8"?>
+<file path=ppt/slides/slide8.xml><?xml version="1.0" encoding="utf-8"?>
 <p:sld xmlns:a="http://schemas.openxmlformats.org/drawingml/2006/main" xmlns:r="http://schemas.openxmlformats.org/officeDocument/2006/relationships" xmlns:p="http://schemas.openxmlformats.org/presentationml/2006/main">
   <p:cSld>
     <p:spTree>
@@ -5295,7 +6129,7 @@
                 <a:ea typeface="微软雅黑" panose="020B0503020204020204" pitchFamily="34" charset="-122"/>
                 <a:sym typeface="+mn-ea"/>
               </a:rPr>
-              <a:t>3.</a:t>
+              <a:t>5.</a:t>
             </a:r>
             <a:r>
               <a:rPr lang="zh-CN" altLang="en-US" sz="4000" b="1" dirty="0">
@@ -5441,7 +6275,7 @@
 </p:sld>
 </file>
 
-<file path=ppt/slides/slide7.xml><?xml version="1.0" encoding="utf-8"?>
+<file path=ppt/slides/slide9.xml><?xml version="1.0" encoding="utf-8"?>
 <p:sld xmlns:a="http://schemas.openxmlformats.org/drawingml/2006/main" xmlns:r="http://schemas.openxmlformats.org/officeDocument/2006/relationships" xmlns:p="http://schemas.openxmlformats.org/presentationml/2006/main">
   <p:cSld>
     <p:spTree>
@@ -5498,7 +6332,7 @@
                 <a:ea typeface="微软雅黑" panose="020B0503020204020204" pitchFamily="34" charset="-122"/>
                 <a:sym typeface="+mn-ea"/>
               </a:rPr>
-              <a:t>4.</a:t>
+              <a:t>6.</a:t>
             </a:r>
             <a:r>
               <a:rPr lang="zh-CN" altLang="en-US" sz="4000" b="1" dirty="0">
@@ -5626,6 +6460,21 @@
 <file path=ppt/tags/tag1.xml><?xml version="1.0" encoding="utf-8"?>
 <p:tagLst xmlns:a="http://schemas.openxmlformats.org/drawingml/2006/main" xmlns:r="http://schemas.openxmlformats.org/officeDocument/2006/relationships" xmlns:p="http://schemas.openxmlformats.org/presentationml/2006/main">
   <p:tag name="COMMONDATA" val="eyJoZGlkIjoiOWRhYTQ4MWJhYTY5NDkxMzUyNjRmODllNWQxOTAzMTUifQ=="/>
+</p:tagLst>
+</file>
+
+<file path=ppt/tags/tag10.xml><?xml version="1.0" encoding="utf-8"?>
+<p:tagLst xmlns:a="http://schemas.openxmlformats.org/drawingml/2006/main" xmlns:r="http://schemas.openxmlformats.org/officeDocument/2006/relationships" xmlns:p="http://schemas.openxmlformats.org/presentationml/2006/main">
+  <p:tag name="KSO_WM_TEMPLATE_CATEGORY" val="preset"/>
+  <p:tag name="KSO_WM_TEMPLATE_INDEX" val="11"/>
+  <p:tag name="KSO_WM_TAG_VERSION" val="1.0"/>
+  <p:tag name="KSO_WM_SLIDE_ID" val="256"/>
+  <p:tag name="KSO_WM_SLIDE_INDEX" val="1"/>
+  <p:tag name="KSO_WM_SLIDE_ITEM_CNT" val="2"/>
+  <p:tag name="KSO_WM_SLIDE_LAYOUT" val="a_b"/>
+  <p:tag name="KSO_WM_SLIDE_LAYOUT_CNT" val="1_1"/>
+  <p:tag name="KSO_WM_SLIDE_TYPE" val="title"/>
+  <p:tag name="KSO_WM_BEAUTIFY_FLAG" val="#wm#"/>
 </p:tagLst>
 </file>
 
@@ -5720,6 +6569,21 @@
 </file>
 
 <file path=ppt/tags/tag8.xml><?xml version="1.0" encoding="utf-8"?>
+<p:tagLst xmlns:a="http://schemas.openxmlformats.org/drawingml/2006/main" xmlns:r="http://schemas.openxmlformats.org/officeDocument/2006/relationships" xmlns:p="http://schemas.openxmlformats.org/presentationml/2006/main">
+  <p:tag name="KSO_WM_TEMPLATE_CATEGORY" val="preset"/>
+  <p:tag name="KSO_WM_TEMPLATE_INDEX" val="11"/>
+  <p:tag name="KSO_WM_TAG_VERSION" val="1.0"/>
+  <p:tag name="KSO_WM_SLIDE_ID" val="256"/>
+  <p:tag name="KSO_WM_SLIDE_INDEX" val="1"/>
+  <p:tag name="KSO_WM_SLIDE_ITEM_CNT" val="2"/>
+  <p:tag name="KSO_WM_SLIDE_LAYOUT" val="a_b"/>
+  <p:tag name="KSO_WM_SLIDE_LAYOUT_CNT" val="1_1"/>
+  <p:tag name="KSO_WM_SLIDE_TYPE" val="title"/>
+  <p:tag name="KSO_WM_BEAUTIFY_FLAG" val="#wm#"/>
+</p:tagLst>
+</file>
+
+<file path=ppt/tags/tag9.xml><?xml version="1.0" encoding="utf-8"?>
 <p:tagLst xmlns:a="http://schemas.openxmlformats.org/drawingml/2006/main" xmlns:r="http://schemas.openxmlformats.org/officeDocument/2006/relationships" xmlns:p="http://schemas.openxmlformats.org/presentationml/2006/main">
   <p:tag name="KSO_WM_TEMPLATE_CATEGORY" val="preset"/>
   <p:tag name="KSO_WM_TEMPLATE_INDEX" val="11"/>
